--- a/img/logo.pptx
+++ b/img/logo.pptx
@@ -104,6 +104,11 @@
       </a:defRPr>
     </a:lvl9pPr>
   </p:defaultTextStyle>
+  <p:extLst>
+    <p:ext uri="{EFAFB233-063F-42B5-8137-9DF3F51BA10A}">
+      <p15:sldGuideLst xmlns:p15="http://schemas.microsoft.com/office/powerpoint/2012/main"/>
+    </p:ext>
+  </p:extLst>
 </p:presentation>
 </file>
 
@@ -3337,13 +3342,20 @@
             <p:ph type="ctrTitle"/>
           </p:nvPr>
         </p:nvSpPr>
-        <p:spPr/>
-        <p:txBody>
-          <a:bodyPr/>
-          <a:lstStyle/>
-          <a:p>
-            <a:r>
-              <a:rPr kumimoji="1" lang="en-US" altLang="zh-TW" dirty="0">
+        <p:spPr>
+          <a:xfrm>
+            <a:off x="0" y="1122362"/>
+            <a:ext cx="12192000" cy="4364037"/>
+          </a:xfrm>
+        </p:spPr>
+        <p:txBody>
+          <a:bodyPr>
+            <a:normAutofit/>
+          </a:bodyPr>
+          <a:lstStyle/>
+          <a:p>
+            <a:r>
+              <a:rPr kumimoji="1" lang="en-US" altLang="zh-TW" sz="11500" dirty="0">
                 <a:solidFill>
                   <a:schemeClr val="bg1"/>
                 </a:solidFill>
@@ -3352,12 +3364,76 @@
               </a:rPr>
               <a:t>2022 VTTF Panel</a:t>
             </a:r>
-            <a:endParaRPr kumimoji="1" lang="zh-TW" altLang="en-US" dirty="0">
+            <a:endParaRPr kumimoji="1" lang="zh-TW" altLang="en-US" sz="11500" dirty="0">
               <a:solidFill>
                 <a:schemeClr val="bg1"/>
               </a:solidFill>
               <a:latin typeface="ACADEMY ENGRAVED LET PLAIN:1.0" panose="02000000000000000000" pitchFamily="2" charset="0"/>
             </a:endParaRPr>
+          </a:p>
+        </p:txBody>
+      </p:sp>
+      <p:sp>
+        <p:nvSpPr>
+          <p:cNvPr id="3" name="文字方塊 2">
+            <a:extLst>
+              <a:ext uri="{FF2B5EF4-FFF2-40B4-BE49-F238E27FC236}">
+                <a16:creationId xmlns:a16="http://schemas.microsoft.com/office/drawing/2014/main" id="{011AB759-D451-779D-CFAE-0FE9B6F6B7EC}"/>
+              </a:ext>
+            </a:extLst>
+          </p:cNvPr>
+          <p:cNvSpPr txBox="1"/>
+          <p:nvPr/>
+        </p:nvSpPr>
+        <p:spPr>
+          <a:xfrm>
+            <a:off x="6229350" y="2343150"/>
+            <a:ext cx="184731" cy="369332"/>
+          </a:xfrm>
+          <a:prstGeom prst="rect">
+            <a:avLst/>
+          </a:prstGeom>
+          <a:noFill/>
+        </p:spPr>
+        <p:txBody>
+          <a:bodyPr wrap="none" rtlCol="0">
+            <a:spAutoFit/>
+          </a:bodyPr>
+          <a:lstStyle/>
+          <a:p>
+            <a:endParaRPr kumimoji="1" lang="zh-TW" altLang="en-US"/>
+          </a:p>
+        </p:txBody>
+      </p:sp>
+      <p:sp>
+        <p:nvSpPr>
+          <p:cNvPr id="4" name="文字方塊 3">
+            <a:extLst>
+              <a:ext uri="{FF2B5EF4-FFF2-40B4-BE49-F238E27FC236}">
+                <a16:creationId xmlns:a16="http://schemas.microsoft.com/office/drawing/2014/main" id="{D4D90EAB-0A7D-F48E-5E1A-7AFE6F608313}"/>
+              </a:ext>
+            </a:extLst>
+          </p:cNvPr>
+          <p:cNvSpPr txBox="1"/>
+          <p:nvPr/>
+        </p:nvSpPr>
+        <p:spPr>
+          <a:xfrm>
+            <a:off x="4057650" y="2343150"/>
+            <a:ext cx="184731" cy="369332"/>
+          </a:xfrm>
+          <a:prstGeom prst="rect">
+            <a:avLst/>
+          </a:prstGeom>
+          <a:noFill/>
+        </p:spPr>
+        <p:txBody>
+          <a:bodyPr wrap="none" rtlCol="0">
+            <a:spAutoFit/>
+          </a:bodyPr>
+          <a:lstStyle/>
+          <a:p>
+            <a:endParaRPr kumimoji="1" lang="zh-TW" altLang="en-US" dirty="0"/>
           </a:p>
         </p:txBody>
       </p:sp>

--- a/img/logo.pptx
+++ b/img/logo.pptx
@@ -3344,96 +3344,47 @@
         </p:nvSpPr>
         <p:spPr>
           <a:xfrm>
-            <a:off x="0" y="1122362"/>
-            <a:ext cx="12192000" cy="4364037"/>
+            <a:off x="135731" y="2767489"/>
+            <a:ext cx="11920537" cy="1728786"/>
           </a:xfrm>
         </p:spPr>
         <p:txBody>
           <a:bodyPr>
-            <a:normAutofit/>
+            <a:normAutofit fontScale="90000"/>
           </a:bodyPr>
           <a:lstStyle/>
           <a:p>
-            <a:r>
-              <a:rPr kumimoji="1" lang="en-US" altLang="zh-TW" sz="11500" dirty="0">
+            <a:pPr algn="dist"/>
+            <a:r>
+              <a:rPr kumimoji="1" lang="en-US" altLang="zh-TW" sz="16600" b="1" dirty="0">
                 <a:solidFill>
                   <a:schemeClr val="bg1"/>
                 </a:solidFill>
-                <a:latin typeface="ACADEMY ENGRAVED LET PLAIN:1.0" panose="02000000000000000000" pitchFamily="2" charset="0"/>
-                <a:ea typeface="SimSun-ExtB" panose="02010609060101010101" pitchFamily="49" charset="-122"/>
+                <a:latin typeface="Colonna MT" pitchFamily="82" charset="0"/>
+                <a:ea typeface="STXinwei" panose="02010800040101010101" pitchFamily="2" charset="-122"/>
+                <a:cs typeface="Chakra Petch" pitchFamily="2" charset="-34"/>
               </a:rPr>
-              <a:t>2022 VTTF Panel</a:t>
-            </a:r>
-            <a:endParaRPr kumimoji="1" lang="zh-TW" altLang="en-US" sz="11500" dirty="0">
+              <a:t>2022</a:t>
+            </a:r>
+            <a:r>
+              <a:rPr kumimoji="1" lang="en-US" altLang="zh-TW" sz="11500" b="1" dirty="0">
+                <a:solidFill>
+                  <a:schemeClr val="bg1"/>
+                </a:solidFill>
+                <a:latin typeface="Colonna MT" pitchFamily="82" charset="0"/>
+                <a:ea typeface="STXinwei" panose="02010800040101010101" pitchFamily="2" charset="-122"/>
+                <a:cs typeface="Chakra Petch" pitchFamily="2" charset="-34"/>
+              </a:rPr>
+              <a:t> VTTF Panel</a:t>
+            </a:r>
+            <a:endParaRPr kumimoji="1" lang="zh-TW" altLang="en-US" sz="11500" b="1" dirty="0">
               <a:solidFill>
                 <a:schemeClr val="bg1"/>
               </a:solidFill>
-              <a:latin typeface="ACADEMY ENGRAVED LET PLAIN:1.0" panose="02000000000000000000" pitchFamily="2" charset="0"/>
+              <a:latin typeface="Colonna MT" pitchFamily="82" charset="0"/>
+              <a:ea typeface="STXinwei" panose="02010800040101010101" pitchFamily="2" charset="-122"/>
+              <a:cs typeface="Chakra Petch" pitchFamily="2" charset="-34"/>
             </a:endParaRPr>
-          </a:p>
-        </p:txBody>
-      </p:sp>
-      <p:sp>
-        <p:nvSpPr>
-          <p:cNvPr id="3" name="文字方塊 2">
-            <a:extLst>
-              <a:ext uri="{FF2B5EF4-FFF2-40B4-BE49-F238E27FC236}">
-                <a16:creationId xmlns:a16="http://schemas.microsoft.com/office/drawing/2014/main" id="{011AB759-D451-779D-CFAE-0FE9B6F6B7EC}"/>
-              </a:ext>
-            </a:extLst>
-          </p:cNvPr>
-          <p:cNvSpPr txBox="1"/>
-          <p:nvPr/>
-        </p:nvSpPr>
-        <p:spPr>
-          <a:xfrm>
-            <a:off x="6229350" y="2343150"/>
-            <a:ext cx="184731" cy="369332"/>
-          </a:xfrm>
-          <a:prstGeom prst="rect">
-            <a:avLst/>
-          </a:prstGeom>
-          <a:noFill/>
-        </p:spPr>
-        <p:txBody>
-          <a:bodyPr wrap="none" rtlCol="0">
-            <a:spAutoFit/>
-          </a:bodyPr>
-          <a:lstStyle/>
-          <a:p>
-            <a:endParaRPr kumimoji="1" lang="zh-TW" altLang="en-US"/>
-          </a:p>
-        </p:txBody>
-      </p:sp>
-      <p:sp>
-        <p:nvSpPr>
-          <p:cNvPr id="4" name="文字方塊 3">
-            <a:extLst>
-              <a:ext uri="{FF2B5EF4-FFF2-40B4-BE49-F238E27FC236}">
-                <a16:creationId xmlns:a16="http://schemas.microsoft.com/office/drawing/2014/main" id="{D4D90EAB-0A7D-F48E-5E1A-7AFE6F608313}"/>
-              </a:ext>
-            </a:extLst>
-          </p:cNvPr>
-          <p:cNvSpPr txBox="1"/>
-          <p:nvPr/>
-        </p:nvSpPr>
-        <p:spPr>
-          <a:xfrm>
-            <a:off x="4057650" y="2343150"/>
-            <a:ext cx="184731" cy="369332"/>
-          </a:xfrm>
-          <a:prstGeom prst="rect">
-            <a:avLst/>
-          </a:prstGeom>
-          <a:noFill/>
-        </p:spPr>
-        <p:txBody>
-          <a:bodyPr wrap="none" rtlCol="0">
-            <a:spAutoFit/>
-          </a:bodyPr>
-          <a:lstStyle/>
-          <a:p>
-            <a:endParaRPr kumimoji="1" lang="zh-TW" altLang="en-US" dirty="0"/>
           </a:p>
         </p:txBody>
       </p:sp>
